--- a/Research School/Retreat/Fall 2014/retreat draft - version 2/Aragats_Amirkhanyan_Fall_Retreat_2014.pptx
+++ b/Research School/Retreat/Fall 2014/retreat draft - version 2/Aragats_Amirkhanyan_Fall_Retreat_2014.pptx
@@ -18,8 +18,8 @@
     <p:sldId id="275" r:id="rId6"/>
     <p:sldId id="276" r:id="rId7"/>
     <p:sldId id="277" r:id="rId8"/>
-    <p:sldId id="282" r:id="rId9"/>
-    <p:sldId id="279" r:id="rId10"/>
+    <p:sldId id="285" r:id="rId9"/>
+    <p:sldId id="282" r:id="rId10"/>
     <p:sldId id="283" r:id="rId11"/>
     <p:sldId id="284" r:id="rId12"/>
     <p:sldId id="280" r:id="rId13"/>
@@ -136,7 +136,7 @@
   </p:defaultTextStyle>
   <p:extLst>
     <p:ext uri="{EFAFB233-063F-42B5-8137-9DF3F51BA10A}">
-      <p15:sldGuideLst xmlns="" xmlns:p15="http://schemas.microsoft.com/office/powerpoint/2012/main">
+      <p15:sldGuideLst xmlns:p15="http://schemas.microsoft.com/office/powerpoint/2012/main" xmlns="">
         <p15:guide id="1" orient="horz" pos="781">
           <p15:clr>
             <a:srgbClr val="A4A3A4"/>
@@ -225,7 +225,7 @@
       </p15:sldGuideLst>
     </p:ext>
     <p:ext uri="{2D200454-40CA-4A62-9FC3-DE9A4176ACB9}">
-      <p15:notesGuideLst xmlns="" xmlns:p15="http://schemas.microsoft.com/office/powerpoint/2012/main">
+      <p15:notesGuideLst xmlns:p15="http://schemas.microsoft.com/office/powerpoint/2012/main" xmlns="">
         <p15:guide id="1" orient="horz" pos="2676">
           <p15:clr>
             <a:srgbClr val="A4A3A4"/>
@@ -359,7 +359,7 @@
             <a:fld id="{AA592FF2-A4BD-4E98-AC76-A10007E04C10}" type="datetimeFigureOut">
               <a:rPr lang="en-US" smtClean="0"/>
               <a:pPr/>
-              <a:t>9/12/2014</a:t>
+              <a:t>9/15/2014</a:t>
             </a:fld>
             <a:endParaRPr lang="en-US" dirty="0"/>
           </a:p>
@@ -1216,7 +1216,7 @@
             <a:fld id="{AA592FF2-A4BD-4E98-AC76-A10007E04C10}" type="datetimeFigureOut">
               <a:rPr lang="en-US" smtClean="0"/>
               <a:pPr/>
-              <a:t>9/12/2014</a:t>
+              <a:t>9/15/2014</a:t>
             </a:fld>
             <a:endParaRPr lang="en-US" dirty="0"/>
           </a:p>
@@ -2758,7 +2758,7 @@
             <a:fld id="{4CBF50E3-ED67-46F2-ABFC-A36EE1082CF7}" type="slidenum">
               <a:rPr lang="en-US" b="1" smtClean="0"/>
               <a:pPr/>
-              <a:t>18</a:t>
+              <a:t>17</a:t>
             </a:fld>
             <a:endParaRPr lang="en-US" b="1" dirty="0"/>
           </a:p>
@@ -2767,7 +2767,7 @@
     </p:spTree>
     <p:extLst>
       <p:ext uri="{BB962C8B-B14F-4D97-AF65-F5344CB8AC3E}">
-        <p14:creationId xmlns:p14="http://schemas.microsoft.com/office/powerpoint/2010/main" val="1254936349"/>
+        <p14:creationId xmlns:p14="http://schemas.microsoft.com/office/powerpoint/2010/main" val="577263827"/>
       </p:ext>
     </p:extLst>
   </p:cSld>
@@ -2796,7 +2796,7 @@
       </p:grpSpPr>
       <p:sp>
         <p:nvSpPr>
-          <p:cNvPr id="2" name="Slide Image Placeholder 1"/>
+          <p:cNvPr id="8" name="Slide Image Placeholder 7"/>
           <p:cNvSpPr>
             <a:spLocks noGrp="1" noRot="1" noChangeAspect="1"/>
           </p:cNvSpPr>
@@ -2804,7 +2804,7 @@
             <p:ph type="sldImg"/>
           </p:nvPr>
         </p:nvSpPr>
-        <p:spPr>
+        <p:spPr bwMode="gray">
           <a:xfrm>
             <a:off x="876300" y="885825"/>
             <a:ext cx="5576888" cy="3136900"/>
@@ -2813,7 +2813,7 @@
       </p:sp>
       <p:sp>
         <p:nvSpPr>
-          <p:cNvPr id="3" name="Notes Placeholder 2"/>
+          <p:cNvPr id="9" name="Notes Placeholder 8"/>
           <p:cNvSpPr>
             <a:spLocks noGrp="1"/>
           </p:cNvSpPr>
@@ -2821,7 +2821,7 @@
             <p:ph type="body" idx="1"/>
           </p:nvPr>
         </p:nvSpPr>
-        <p:spPr/>
+        <p:spPr bwMode="gray"/>
         <p:txBody>
           <a:bodyPr/>
           <a:lstStyle/>
@@ -2832,7 +2832,7 @@
       </p:sp>
       <p:sp>
         <p:nvSpPr>
-          <p:cNvPr id="4" name="Slide Number Placeholder 3"/>
+          <p:cNvPr id="10" name="Slide Number Placeholder 9"/>
           <p:cNvSpPr>
             <a:spLocks noGrp="1"/>
           </p:cNvSpPr>
@@ -2852,7 +2852,7 @@
             <a:fld id="{4CBF50E3-ED67-46F2-ABFC-A36EE1082CF7}" type="slidenum">
               <a:rPr lang="en-US" b="1" smtClean="0"/>
               <a:pPr/>
-              <a:t>19</a:t>
+              <a:t>18</a:t>
             </a:fld>
             <a:endParaRPr lang="en-US" b="1" dirty="0"/>
           </a:p>
@@ -2861,7 +2861,7 @@
     </p:spTree>
     <p:extLst>
       <p:ext uri="{BB962C8B-B14F-4D97-AF65-F5344CB8AC3E}">
-        <p14:creationId xmlns:p14="http://schemas.microsoft.com/office/powerpoint/2010/main" val="1584324230"/>
+        <p14:creationId xmlns:p14="http://schemas.microsoft.com/office/powerpoint/2010/main" val="1254936349"/>
       </p:ext>
     </p:extLst>
   </p:cSld>
@@ -2946,7 +2946,7 @@
             <a:fld id="{4CBF50E3-ED67-46F2-ABFC-A36EE1082CF7}" type="slidenum">
               <a:rPr lang="en-US" b="1" smtClean="0"/>
               <a:pPr/>
-              <a:t>20</a:t>
+              <a:t>19</a:t>
             </a:fld>
             <a:endParaRPr lang="en-US" b="1" dirty="0"/>
           </a:p>
@@ -2955,7 +2955,7 @@
     </p:spTree>
     <p:extLst>
       <p:ext uri="{BB962C8B-B14F-4D97-AF65-F5344CB8AC3E}">
-        <p14:creationId xmlns:p14="http://schemas.microsoft.com/office/powerpoint/2010/main" val="128533741"/>
+        <p14:creationId xmlns:p14="http://schemas.microsoft.com/office/powerpoint/2010/main" val="1584324230"/>
       </p:ext>
     </p:extLst>
   </p:cSld>
@@ -3040,6 +3040,100 @@
             <a:fld id="{4CBF50E3-ED67-46F2-ABFC-A36EE1082CF7}" type="slidenum">
               <a:rPr lang="en-US" b="1" smtClean="0"/>
               <a:pPr/>
+              <a:t>20</a:t>
+            </a:fld>
+            <a:endParaRPr lang="en-US" b="1" dirty="0"/>
+          </a:p>
+        </p:txBody>
+      </p:sp>
+    </p:spTree>
+    <p:extLst>
+      <p:ext uri="{BB962C8B-B14F-4D97-AF65-F5344CB8AC3E}">
+        <p14:creationId xmlns:p14="http://schemas.microsoft.com/office/powerpoint/2010/main" val="128533741"/>
+      </p:ext>
+    </p:extLst>
+  </p:cSld>
+  <p:clrMapOvr>
+    <a:masterClrMapping/>
+  </p:clrMapOvr>
+</p:notes>
+</file>
+
+<file path=ppt/notesSlides/notesSlide14.xml><?xml version="1.0" encoding="utf-8"?>
+<p:notes xmlns:a="http://schemas.openxmlformats.org/drawingml/2006/main" xmlns:r="http://schemas.openxmlformats.org/officeDocument/2006/relationships" xmlns:p="http://schemas.openxmlformats.org/presentationml/2006/main">
+  <p:cSld>
+    <p:spTree>
+      <p:nvGrpSpPr>
+        <p:cNvPr id="1" name=""/>
+        <p:cNvGrpSpPr/>
+        <p:nvPr/>
+      </p:nvGrpSpPr>
+      <p:grpSpPr>
+        <a:xfrm>
+          <a:off x="0" y="0"/>
+          <a:ext cx="0" cy="0"/>
+          <a:chOff x="0" y="0"/>
+          <a:chExt cx="0" cy="0"/>
+        </a:xfrm>
+      </p:grpSpPr>
+      <p:sp>
+        <p:nvSpPr>
+          <p:cNvPr id="2" name="Slide Image Placeholder 1"/>
+          <p:cNvSpPr>
+            <a:spLocks noGrp="1" noRot="1" noChangeAspect="1"/>
+          </p:cNvSpPr>
+          <p:nvPr>
+            <p:ph type="sldImg"/>
+          </p:nvPr>
+        </p:nvSpPr>
+        <p:spPr>
+          <a:xfrm>
+            <a:off x="876300" y="885825"/>
+            <a:ext cx="5576888" cy="3136900"/>
+          </a:xfrm>
+        </p:spPr>
+      </p:sp>
+      <p:sp>
+        <p:nvSpPr>
+          <p:cNvPr id="3" name="Notes Placeholder 2"/>
+          <p:cNvSpPr>
+            <a:spLocks noGrp="1"/>
+          </p:cNvSpPr>
+          <p:nvPr>
+            <p:ph type="body" idx="1"/>
+          </p:nvPr>
+        </p:nvSpPr>
+        <p:spPr/>
+        <p:txBody>
+          <a:bodyPr/>
+          <a:lstStyle/>
+          <a:p>
+            <a:endParaRPr lang="en-US"/>
+          </a:p>
+        </p:txBody>
+      </p:sp>
+      <p:sp>
+        <p:nvSpPr>
+          <p:cNvPr id="4" name="Slide Number Placeholder 3"/>
+          <p:cNvSpPr>
+            <a:spLocks noGrp="1"/>
+          </p:cNvSpPr>
+          <p:nvPr>
+            <p:ph type="sldNum" sz="quarter" idx="10"/>
+          </p:nvPr>
+        </p:nvSpPr>
+        <p:spPr/>
+        <p:txBody>
+          <a:bodyPr/>
+          <a:lstStyle/>
+          <a:p>
+            <a:r>
+              <a:rPr lang="en-US" smtClean="0"/>
+              <a:t>Chart </a:t>
+            </a:r>
+            <a:fld id="{4CBF50E3-ED67-46F2-ABFC-A36EE1082CF7}" type="slidenum">
+              <a:rPr lang="en-US" b="1" smtClean="0"/>
+              <a:pPr/>
               <a:t>21</a:t>
             </a:fld>
             <a:endParaRPr lang="en-US" b="1" dirty="0"/>
@@ -3059,7 +3153,7 @@
 </p:notes>
 </file>
 
-<file path=ppt/notesSlides/notesSlide14.xml><?xml version="1.0" encoding="utf-8"?>
+<file path=ppt/notesSlides/notesSlide15.xml><?xml version="1.0" encoding="utf-8"?>
 <p:notes xmlns:a="http://schemas.openxmlformats.org/drawingml/2006/main" xmlns:r="http://schemas.openxmlformats.org/officeDocument/2006/relationships" xmlns:p="http://schemas.openxmlformats.org/presentationml/2006/main">
   <p:cSld>
     <p:spTree>
@@ -3360,7 +3454,7 @@
       </p:grpSpPr>
       <p:sp>
         <p:nvSpPr>
-          <p:cNvPr id="7" name="Slide Image Placeholder 6"/>
+          <p:cNvPr id="8" name="Slide Image Placeholder 7"/>
           <p:cNvSpPr>
             <a:spLocks noGrp="1" noRot="1" noChangeAspect="1"/>
           </p:cNvSpPr>
@@ -3377,7 +3471,7 @@
       </p:sp>
       <p:sp>
         <p:nvSpPr>
-          <p:cNvPr id="8" name="Notes Placeholder 7"/>
+          <p:cNvPr id="9" name="Notes Placeholder 8"/>
           <p:cNvSpPr>
             <a:spLocks noGrp="1"/>
           </p:cNvSpPr>
@@ -3396,7 +3490,7 @@
       </p:sp>
       <p:sp>
         <p:nvSpPr>
-          <p:cNvPr id="10" name="Slide Number Placeholder 9"/>
+          <p:cNvPr id="11" name="Slide Number Placeholder 10"/>
           <p:cNvSpPr>
             <a:spLocks noGrp="1"/>
           </p:cNvSpPr>
@@ -3416,7 +3510,7 @@
             <a:fld id="{4CBF50E3-ED67-46F2-ABFC-A36EE1082CF7}" type="slidenum">
               <a:rPr lang="en-US" b="1" smtClean="0"/>
               <a:pPr/>
-              <a:t>10</a:t>
+              <a:t>8</a:t>
             </a:fld>
             <a:endParaRPr lang="en-US" b="1" dirty="0"/>
           </a:p>
@@ -3425,7 +3519,7 @@
     </p:spTree>
     <p:extLst>
       <p:ext uri="{BB962C8B-B14F-4D97-AF65-F5344CB8AC3E}">
-        <p14:creationId xmlns:p14="http://schemas.microsoft.com/office/powerpoint/2010/main" val="1053654253"/>
+        <p14:creationId xmlns:p14="http://schemas.microsoft.com/office/powerpoint/2010/main" val="3780952756"/>
       </p:ext>
     </p:extLst>
   </p:cSld>
@@ -3510,7 +3604,7 @@
             <a:fld id="{4CBF50E3-ED67-46F2-ABFC-A36EE1082CF7}" type="slidenum">
               <a:rPr lang="en-US" b="1" smtClean="0"/>
               <a:pPr/>
-              <a:t>13</a:t>
+              <a:t>10</a:t>
             </a:fld>
             <a:endParaRPr lang="en-US" b="1" dirty="0"/>
           </a:p>
@@ -3604,7 +3698,7 @@
             <a:fld id="{4CBF50E3-ED67-46F2-ABFC-A36EE1082CF7}" type="slidenum">
               <a:rPr lang="en-US" b="1" smtClean="0"/>
               <a:pPr/>
-              <a:t>14</a:t>
+              <a:t>13</a:t>
             </a:fld>
             <a:endParaRPr lang="en-US" b="1" dirty="0"/>
           </a:p>
@@ -3642,7 +3736,7 @@
       </p:grpSpPr>
       <p:sp>
         <p:nvSpPr>
-          <p:cNvPr id="8" name="Slide Image Placeholder 7"/>
+          <p:cNvPr id="7" name="Slide Image Placeholder 6"/>
           <p:cNvSpPr>
             <a:spLocks noGrp="1" noRot="1" noChangeAspect="1"/>
           </p:cNvSpPr>
@@ -3659,7 +3753,7 @@
       </p:sp>
       <p:sp>
         <p:nvSpPr>
-          <p:cNvPr id="9" name="Notes Placeholder 8"/>
+          <p:cNvPr id="8" name="Notes Placeholder 7"/>
           <p:cNvSpPr>
             <a:spLocks noGrp="1"/>
           </p:cNvSpPr>
@@ -3698,7 +3792,7 @@
             <a:fld id="{4CBF50E3-ED67-46F2-ABFC-A36EE1082CF7}" type="slidenum">
               <a:rPr lang="en-US" b="1" smtClean="0"/>
               <a:pPr/>
-              <a:t>15</a:t>
+              <a:t>14</a:t>
             </a:fld>
             <a:endParaRPr lang="en-US" b="1" dirty="0"/>
           </a:p>
@@ -3707,7 +3801,7 @@
     </p:spTree>
     <p:extLst>
       <p:ext uri="{BB962C8B-B14F-4D97-AF65-F5344CB8AC3E}">
-        <p14:creationId xmlns:p14="http://schemas.microsoft.com/office/powerpoint/2010/main" val="1915773074"/>
+        <p14:creationId xmlns:p14="http://schemas.microsoft.com/office/powerpoint/2010/main" val="1053654253"/>
       </p:ext>
     </p:extLst>
   </p:cSld>
@@ -3792,7 +3886,7 @@
             <a:fld id="{4CBF50E3-ED67-46F2-ABFC-A36EE1082CF7}" type="slidenum">
               <a:rPr lang="en-US" b="1" smtClean="0"/>
               <a:pPr/>
-              <a:t>16</a:t>
+              <a:t>15</a:t>
             </a:fld>
             <a:endParaRPr lang="en-US" b="1" dirty="0"/>
           </a:p>
@@ -3801,7 +3895,7 @@
     </p:spTree>
     <p:extLst>
       <p:ext uri="{BB962C8B-B14F-4D97-AF65-F5344CB8AC3E}">
-        <p14:creationId xmlns:p14="http://schemas.microsoft.com/office/powerpoint/2010/main" val="1875456307"/>
+        <p14:creationId xmlns:p14="http://schemas.microsoft.com/office/powerpoint/2010/main" val="1915773074"/>
       </p:ext>
     </p:extLst>
   </p:cSld>
@@ -3886,7 +3980,7 @@
             <a:fld id="{4CBF50E3-ED67-46F2-ABFC-A36EE1082CF7}" type="slidenum">
               <a:rPr lang="en-US" b="1" smtClean="0"/>
               <a:pPr/>
-              <a:t>17</a:t>
+              <a:t>16</a:t>
             </a:fld>
             <a:endParaRPr lang="en-US" b="1" dirty="0"/>
           </a:p>
@@ -3895,7 +3989,7 @@
     </p:spTree>
     <p:extLst>
       <p:ext uri="{BB962C8B-B14F-4D97-AF65-F5344CB8AC3E}">
-        <p14:creationId xmlns:p14="http://schemas.microsoft.com/office/powerpoint/2010/main" val="577263827"/>
+        <p14:creationId xmlns:p14="http://schemas.microsoft.com/office/powerpoint/2010/main" val="1875456307"/>
       </p:ext>
     </p:extLst>
   </p:cSld>
@@ -12614,7 +12708,6 @@
               <a:rPr lang="en-US" dirty="0"/>
               <a:t>OpenStack</a:t>
             </a:r>
-            <a:endParaRPr lang="en-US" dirty="0"/>
           </a:p>
         </p:txBody>
       </p:sp>
@@ -13038,7 +13131,6 @@
               <a:rPr lang="en-US" dirty="0"/>
               <a:t>Aragats Amirkhanyan, 17.10.2014</a:t>
             </a:r>
-            <a:endParaRPr lang="en-US" dirty="0"/>
           </a:p>
         </p:txBody>
       </p:sp>
@@ -13069,7 +13161,6 @@
               <a:rPr lang="en-US" dirty="0"/>
               <a:t> Creation for Research in Security Area</a:t>
             </a:r>
-            <a:endParaRPr lang="en-US" dirty="0"/>
           </a:p>
         </p:txBody>
       </p:sp>
@@ -13266,7 +13357,6 @@
               <a:rPr lang="en-US" dirty="0"/>
               <a:t>Aragats Amirkhanyan, 17.10.2014</a:t>
             </a:r>
-            <a:endParaRPr lang="en-US" dirty="0"/>
           </a:p>
         </p:txBody>
       </p:sp>
@@ -13297,7 +13387,6 @@
               <a:rPr lang="en-US" dirty="0"/>
               <a:t> Creation for Research in Security Area</a:t>
             </a:r>
-            <a:endParaRPr lang="en-US" dirty="0"/>
           </a:p>
         </p:txBody>
       </p:sp>
@@ -13607,7 +13696,6 @@
               <a:rPr lang="en-US" dirty="0"/>
               <a:t>of creating specific images with vulnerable software applications</a:t>
             </a:r>
-            <a:endParaRPr lang="en-US" dirty="0"/>
           </a:p>
         </p:txBody>
       </p:sp>
@@ -15226,11 +15314,7 @@
             </a:r>
             <a:r>
               <a:rPr lang="de-DE" dirty="0" smtClean="0"/>
-              <a:t> on </a:t>
-            </a:r>
-            <a:r>
-              <a:rPr lang="de-DE" dirty="0" smtClean="0"/>
-              <a:t>OpenStack</a:t>
+              <a:t> on OpenStack</a:t>
             </a:r>
           </a:p>
           <a:p>
@@ -15238,7 +15322,6 @@
               <a:rPr lang="en-US" dirty="0" smtClean="0"/>
               <a:t>Conclusion</a:t>
             </a:r>
-            <a:endParaRPr lang="en-US" dirty="0" smtClean="0"/>
           </a:p>
           <a:p>
             <a:endParaRPr lang="en-US" dirty="0"/>
@@ -17469,8 +17552,21 @@
             </a:pPr>
             <a:r>
               <a:rPr lang="en-US" dirty="0" smtClean="0"/>
-              <a:t>Test network environment</a:t>
-            </a:r>
+              <a:t>Test network </a:t>
+            </a:r>
+            <a:r>
+              <a:rPr lang="en-US" dirty="0" smtClean="0"/>
+              <a:t>environment              </a:t>
+            </a:r>
+            <a:r>
+              <a:rPr lang="en-US" dirty="0" err="1" smtClean="0"/>
+              <a:t>Testbed</a:t>
+            </a:r>
+            <a:r>
+              <a:rPr lang="en-US" dirty="0" smtClean="0"/>
+              <a:t>			</a:t>
+            </a:r>
+            <a:endParaRPr lang="en-US" dirty="0" smtClean="0"/>
           </a:p>
           <a:p>
             <a:pPr marL="342900" indent="-342900">
@@ -17623,6 +17719,49 @@
               <a:rPr lang="en-US" dirty="0"/>
               <a:t> Creation for Research in Security Area</a:t>
             </a:r>
+          </a:p>
+        </p:txBody>
+      </p:sp>
+      <p:sp>
+        <p:nvSpPr>
+          <p:cNvPr id="4" name="Right Brace 3"/>
+          <p:cNvSpPr/>
+          <p:nvPr/>
+        </p:nvSpPr>
+        <p:spPr bwMode="gray">
+          <a:xfrm>
+            <a:off x="3347864" y="1851670"/>
+            <a:ext cx="360536" cy="864096"/>
+          </a:xfrm>
+          <a:prstGeom prst="rightBrace">
+            <a:avLst/>
+          </a:prstGeom>
+          <a:ln>
+            <a:solidFill>
+              <a:schemeClr val="accent1"/>
+            </a:solidFill>
+          </a:ln>
+        </p:spPr>
+        <p:style>
+          <a:lnRef idx="1">
+            <a:schemeClr val="accent1"/>
+          </a:lnRef>
+          <a:fillRef idx="0">
+            <a:schemeClr val="accent1"/>
+          </a:fillRef>
+          <a:effectRef idx="0">
+            <a:schemeClr val="accent1"/>
+          </a:effectRef>
+          <a:fontRef idx="minor">
+            <a:schemeClr val="tx1"/>
+          </a:fontRef>
+        </p:style>
+        <p:txBody>
+          <a:bodyPr rtlCol="0" anchor="ctr"/>
+          <a:lstStyle/>
+          <a:p>
+            <a:pPr algn="ctr"/>
+            <a:endParaRPr lang="de-DE"/>
           </a:p>
         </p:txBody>
       </p:sp>
@@ -17832,12 +17971,9 @@
             </a:r>
             <a:r>
               <a:rPr lang="en-US" dirty="0"/>
-              <a:t>server with Windows Server </a:t>
-            </a:r>
-            <a:r>
-              <a:rPr lang="en-US" dirty="0" smtClean="0"/>
-              <a:t>2003</a:t>
-            </a:r>
+              <a:t>server </a:t>
+            </a:r>
+            <a:endParaRPr lang="en-US" dirty="0" smtClean="0"/>
           </a:p>
           <a:p>
             <a:pPr marL="285750" indent="-285750">
@@ -17848,7 +17984,7 @@
               <a:buChar char="§"/>
             </a:pPr>
             <a:r>
-              <a:rPr lang="en-US" dirty="0"/>
+              <a:rPr lang="en-US" dirty="0" smtClean="0"/>
               <a:t>Database </a:t>
             </a:r>
             <a:r>
@@ -18771,7 +18907,6 @@
               <a:rPr lang="en-US" dirty="0" smtClean="0"/>
               <a:t> library</a:t>
             </a:r>
-            <a:endParaRPr lang="en-US" dirty="0" smtClean="0"/>
           </a:p>
           <a:p>
             <a:pPr marL="285750" indent="-285750">
@@ -18961,6 +19096,195 @@
       </p:grpSpPr>
       <p:sp>
         <p:nvSpPr>
+          <p:cNvPr id="4" name="Title 3"/>
+          <p:cNvSpPr>
+            <a:spLocks noGrp="1"/>
+          </p:cNvSpPr>
+          <p:nvPr>
+            <p:ph type="title"/>
+          </p:nvPr>
+        </p:nvSpPr>
+        <p:spPr/>
+        <p:txBody>
+          <a:bodyPr/>
+          <a:lstStyle/>
+          <a:p>
+            <a:r>
+              <a:rPr lang="de-DE" dirty="0" smtClean="0"/>
+              <a:t>Agenda</a:t>
+            </a:r>
+            <a:endParaRPr lang="en-US" dirty="0"/>
+          </a:p>
+        </p:txBody>
+      </p:sp>
+      <p:sp>
+        <p:nvSpPr>
+          <p:cNvPr id="6" name="Text Placeholder 5"/>
+          <p:cNvSpPr>
+            <a:spLocks noGrp="1"/>
+          </p:cNvSpPr>
+          <p:nvPr>
+            <p:ph type="body" sz="quarter" idx="10"/>
+          </p:nvPr>
+        </p:nvSpPr>
+        <p:spPr/>
+        <p:txBody>
+          <a:bodyPr/>
+          <a:lstStyle/>
+          <a:p>
+            <a:r>
+              <a:rPr lang="de-DE" dirty="0" smtClean="0"/>
+              <a:t>Motivation</a:t>
+            </a:r>
+          </a:p>
+          <a:p>
+            <a:r>
+              <a:rPr lang="de-DE" dirty="0" smtClean="0"/>
+              <a:t>Simulation </a:t>
+            </a:r>
+            <a:r>
+              <a:rPr lang="de-DE" dirty="0" err="1" smtClean="0"/>
+              <a:t>of</a:t>
+            </a:r>
+            <a:r>
+              <a:rPr lang="de-DE" dirty="0" smtClean="0"/>
+              <a:t> </a:t>
+            </a:r>
+            <a:r>
+              <a:rPr lang="de-DE" dirty="0" err="1" smtClean="0"/>
+              <a:t>user</a:t>
+            </a:r>
+            <a:r>
+              <a:rPr lang="de-DE" dirty="0" smtClean="0"/>
+              <a:t> </a:t>
+            </a:r>
+            <a:r>
+              <a:rPr lang="de-DE" dirty="0" err="1" smtClean="0"/>
+              <a:t>behavior</a:t>
+            </a:r>
+            <a:endParaRPr lang="de-DE" dirty="0" smtClean="0"/>
+          </a:p>
+          <a:p>
+            <a:pPr lvl="1"/>
+            <a:r>
+              <a:rPr lang="en-US" dirty="0" smtClean="0"/>
+              <a:t>Overview</a:t>
+            </a:r>
+          </a:p>
+          <a:p>
+            <a:pPr lvl="1"/>
+            <a:r>
+              <a:rPr lang="en-US" dirty="0" smtClean="0"/>
+              <a:t>Normal scenario</a:t>
+            </a:r>
+          </a:p>
+          <a:p>
+            <a:pPr lvl="1"/>
+            <a:r>
+              <a:rPr lang="en-US" dirty="0" smtClean="0"/>
+              <a:t>Abnormal scenario</a:t>
+            </a:r>
+          </a:p>
+          <a:p>
+            <a:pPr lvl="1"/>
+            <a:r>
+              <a:rPr lang="en-US" dirty="0" smtClean="0"/>
+              <a:t>Implementation</a:t>
+            </a:r>
+            <a:endParaRPr lang="de-DE" dirty="0" smtClean="0"/>
+          </a:p>
+          <a:p>
+            <a:r>
+              <a:rPr lang="de-DE" b="1" dirty="0" smtClean="0"/>
+              <a:t>Security Lab Generator</a:t>
+            </a:r>
+          </a:p>
+          <a:p>
+            <a:pPr lvl="1"/>
+            <a:r>
+              <a:rPr lang="en-US" dirty="0" smtClean="0"/>
+              <a:t>Overview</a:t>
+            </a:r>
+          </a:p>
+          <a:p>
+            <a:pPr lvl="1"/>
+            <a:r>
+              <a:rPr lang="en-US" dirty="0" smtClean="0"/>
+              <a:t>OpenStack</a:t>
+            </a:r>
+          </a:p>
+          <a:p>
+            <a:pPr lvl="1"/>
+            <a:r>
+              <a:rPr lang="de-DE" dirty="0"/>
+              <a:t>Security Lab </a:t>
+            </a:r>
+            <a:r>
+              <a:rPr lang="de-DE" dirty="0" smtClean="0"/>
+              <a:t>Generator </a:t>
+            </a:r>
+            <a:r>
+              <a:rPr lang="de-DE" dirty="0" err="1" smtClean="0"/>
+              <a:t>based</a:t>
+            </a:r>
+            <a:r>
+              <a:rPr lang="de-DE" dirty="0" smtClean="0"/>
+              <a:t> on OpenStack</a:t>
+            </a:r>
+          </a:p>
+          <a:p>
+            <a:r>
+              <a:rPr lang="en-US" dirty="0" smtClean="0"/>
+              <a:t>Conclusion</a:t>
+            </a:r>
+          </a:p>
+          <a:p>
+            <a:endParaRPr lang="en-US" dirty="0"/>
+          </a:p>
+        </p:txBody>
+      </p:sp>
+    </p:spTree>
+    <p:extLst>
+      <p:ext uri="{BB962C8B-B14F-4D97-AF65-F5344CB8AC3E}">
+        <p14:creationId xmlns:p14="http://schemas.microsoft.com/office/powerpoint/2010/main" val="581968589"/>
+      </p:ext>
+    </p:extLst>
+  </p:cSld>
+  <p:clrMapOvr>
+    <a:masterClrMapping/>
+  </p:clrMapOvr>
+  <p:transition spd="slow">
+    <p:wipe dir="u"/>
+  </p:transition>
+  <p:timing>
+    <p:tnLst>
+      <p:par>
+        <p:cTn id="1" dur="indefinite" restart="never" nodeType="tmRoot"/>
+      </p:par>
+    </p:tnLst>
+  </p:timing>
+</p:sld>
+</file>
+
+<file path=ppt/slides/slide9.xml><?xml version="1.0" encoding="utf-8"?>
+<p:sld xmlns:a="http://schemas.openxmlformats.org/drawingml/2006/main" xmlns:r="http://schemas.openxmlformats.org/officeDocument/2006/relationships" xmlns:p="http://schemas.openxmlformats.org/presentationml/2006/main">
+  <p:cSld>
+    <p:spTree>
+      <p:nvGrpSpPr>
+        <p:cNvPr id="1" name=""/>
+        <p:cNvGrpSpPr/>
+        <p:nvPr/>
+      </p:nvGrpSpPr>
+      <p:grpSpPr>
+        <a:xfrm>
+          <a:off x="0" y="0"/>
+          <a:ext cx="0" cy="0"/>
+          <a:chOff x="0" y="0"/>
+          <a:chExt cx="0" cy="0"/>
+        </a:xfrm>
+      </p:grpSpPr>
+      <p:sp>
+        <p:nvSpPr>
           <p:cNvPr id="2" name="Title 1"/>
           <p:cNvSpPr>
             <a:spLocks noGrp="1"/>
@@ -19134,7 +19458,6 @@
               <a:rPr lang="en-US" dirty="0"/>
               <a:t>Aragats Amirkhanyan, 17.10.2014</a:t>
             </a:r>
-            <a:endParaRPr lang="en-US" dirty="0"/>
           </a:p>
         </p:txBody>
       </p:sp>
@@ -19165,7 +19488,6 @@
               <a:rPr lang="en-US" dirty="0"/>
               <a:t> Creation for Research in Security Area</a:t>
             </a:r>
-            <a:endParaRPr lang="en-US" dirty="0"/>
           </a:p>
         </p:txBody>
       </p:sp>
@@ -19191,7 +19513,7 @@
             <a:fld id="{91D913BA-B0D8-4B51-9328-DFAA0B370309}" type="slidenum">
               <a:rPr lang="en-US" b="1" smtClean="0"/>
               <a:pPr/>
-              <a:t>8</a:t>
+              <a:t>9</a:t>
             </a:fld>
             <a:endParaRPr lang="en-US" b="1" dirty="0"/>
           </a:p>
@@ -19235,341 +19557,6 @@
   <p:transition>
     <p:fade/>
   </p:transition>
-</p:sld>
-</file>
-
-<file path=ppt/slides/slide9.xml><?xml version="1.0" encoding="utf-8"?>
-<p:sld xmlns:a="http://schemas.openxmlformats.org/drawingml/2006/main" xmlns:r="http://schemas.openxmlformats.org/officeDocument/2006/relationships" xmlns:p="http://schemas.openxmlformats.org/presentationml/2006/main">
-  <p:cSld>
-    <p:spTree>
-      <p:nvGrpSpPr>
-        <p:cNvPr id="1" name=""/>
-        <p:cNvGrpSpPr/>
-        <p:nvPr/>
-      </p:nvGrpSpPr>
-      <p:grpSpPr>
-        <a:xfrm>
-          <a:off x="0" y="0"/>
-          <a:ext cx="0" cy="0"/>
-          <a:chOff x="0" y="0"/>
-          <a:chExt cx="0" cy="0"/>
-        </a:xfrm>
-      </p:grpSpPr>
-      <p:sp>
-        <p:nvSpPr>
-          <p:cNvPr id="2" name="Title 1"/>
-          <p:cNvSpPr>
-            <a:spLocks noGrp="1"/>
-          </p:cNvSpPr>
-          <p:nvPr>
-            <p:ph type="title"/>
-          </p:nvPr>
-        </p:nvSpPr>
-        <p:spPr/>
-        <p:txBody>
-          <a:bodyPr/>
-          <a:lstStyle/>
-          <a:p>
-            <a:r>
-              <a:rPr lang="de-DE" dirty="0"/>
-              <a:t>Security Lab Generator</a:t>
-            </a:r>
-            <a:br>
-              <a:rPr lang="de-DE" dirty="0"/>
-            </a:br>
-            <a:r>
-              <a:rPr lang="de-DE" dirty="0"/>
-              <a:t>- </a:t>
-            </a:r>
-            <a:r>
-              <a:rPr lang="en-US" dirty="0"/>
-              <a:t>Overview</a:t>
-            </a:r>
-            <a:endParaRPr lang="de-DE" dirty="0"/>
-          </a:p>
-        </p:txBody>
-      </p:sp>
-      <p:sp>
-        <p:nvSpPr>
-          <p:cNvPr id="3" name="Text Placeholder 2"/>
-          <p:cNvSpPr>
-            <a:spLocks noGrp="1"/>
-          </p:cNvSpPr>
-          <p:nvPr>
-            <p:ph type="body" sz="quarter" idx="13"/>
-          </p:nvPr>
-        </p:nvSpPr>
-        <p:spPr/>
-        <p:txBody>
-          <a:bodyPr/>
-          <a:lstStyle/>
-          <a:p>
-            <a:endParaRPr lang="de-DE" dirty="0"/>
-          </a:p>
-        </p:txBody>
-      </p:sp>
-      <p:sp>
-        <p:nvSpPr>
-          <p:cNvPr id="4" name="Text Placeholder 3"/>
-          <p:cNvSpPr>
-            <a:spLocks noGrp="1"/>
-          </p:cNvSpPr>
-          <p:nvPr>
-            <p:ph type="body" sz="quarter" idx="14"/>
-          </p:nvPr>
-        </p:nvSpPr>
-        <p:spPr/>
-        <p:txBody>
-          <a:bodyPr/>
-          <a:lstStyle/>
-          <a:p>
-            <a:pPr marL="285750" indent="-285750">
-              <a:buClr>
-                <a:schemeClr val="accent1"/>
-              </a:buClr>
-              <a:buFont typeface="Wingdings" panose="05000000000000000000" pitchFamily="2" charset="2"/>
-              <a:buChar char="§"/>
-            </a:pPr>
-            <a:r>
-              <a:rPr lang="en-US" dirty="0" smtClean="0"/>
-              <a:t>Java + Grails</a:t>
-            </a:r>
-          </a:p>
-          <a:p>
-            <a:pPr marL="285750" indent="-285750">
-              <a:buClr>
-                <a:schemeClr val="accent1"/>
-              </a:buClr>
-              <a:buFont typeface="Wingdings" panose="05000000000000000000" pitchFamily="2" charset="2"/>
-              <a:buChar char="§"/>
-            </a:pPr>
-            <a:r>
-              <a:rPr lang="de-DE" dirty="0"/>
-              <a:t>VirtualBox</a:t>
-            </a:r>
-            <a:endParaRPr lang="de-DE" dirty="0" smtClean="0"/>
-          </a:p>
-          <a:p>
-            <a:pPr marL="285750" indent="-285750">
-              <a:buClr>
-                <a:schemeClr val="accent1"/>
-              </a:buClr>
-              <a:buFont typeface="Wingdings" panose="05000000000000000000" pitchFamily="2" charset="2"/>
-              <a:buChar char="§"/>
-            </a:pPr>
-            <a:r>
-              <a:rPr lang="de-DE" dirty="0" err="1" smtClean="0"/>
-              <a:t>Oryx</a:t>
-            </a:r>
-            <a:r>
-              <a:rPr lang="de-DE" dirty="0" smtClean="0"/>
-              <a:t> </a:t>
-            </a:r>
-          </a:p>
-          <a:p>
-            <a:pPr marL="285750" indent="-285750">
-              <a:buClr>
-                <a:schemeClr val="accent1"/>
-              </a:buClr>
-              <a:buFont typeface="Wingdings" panose="05000000000000000000" pitchFamily="2" charset="2"/>
-              <a:buChar char="§"/>
-            </a:pPr>
-            <a:r>
-              <a:rPr lang="en-US" dirty="0" smtClean="0"/>
-              <a:t>MySQL</a:t>
-            </a:r>
-          </a:p>
-          <a:p>
-            <a:pPr marL="285750" indent="-285750">
-              <a:buClr>
-                <a:schemeClr val="accent1"/>
-              </a:buClr>
-              <a:buFont typeface="Wingdings" panose="05000000000000000000" pitchFamily="2" charset="2"/>
-              <a:buChar char="§"/>
-            </a:pPr>
-            <a:r>
-              <a:rPr lang="en-US" dirty="0" smtClean="0"/>
-              <a:t>PostgreSQL</a:t>
-            </a:r>
-          </a:p>
-          <a:p>
-            <a:pPr marL="285750" indent="-285750">
-              <a:buClr>
-                <a:schemeClr val="accent1"/>
-              </a:buClr>
-              <a:buFont typeface="Wingdings" panose="05000000000000000000" pitchFamily="2" charset="2"/>
-              <a:buChar char="§"/>
-            </a:pPr>
-            <a:r>
-              <a:rPr lang="de-DE" dirty="0" smtClean="0"/>
-              <a:t>MulVAL</a:t>
-            </a:r>
-          </a:p>
-          <a:p>
-            <a:pPr marL="466725" lvl="1" indent="-285750">
-              <a:buFont typeface="Wingdings" panose="05000000000000000000" pitchFamily="2" charset="2"/>
-              <a:buChar char="§"/>
-            </a:pPr>
-            <a:r>
-              <a:rPr lang="de-DE" dirty="0"/>
-              <a:t>XSB</a:t>
-            </a:r>
-            <a:endParaRPr lang="de-DE" dirty="0" smtClean="0"/>
-          </a:p>
-          <a:p>
-            <a:pPr marL="466725" lvl="1" indent="-285750">
-              <a:buFont typeface="Wingdings" panose="05000000000000000000" pitchFamily="2" charset="2"/>
-              <a:buChar char="§"/>
-            </a:pPr>
-            <a:r>
-              <a:rPr lang="de-DE" dirty="0" err="1" smtClean="0"/>
-              <a:t>GraphViz</a:t>
-            </a:r>
-            <a:endParaRPr lang="de-DE" dirty="0"/>
-          </a:p>
-        </p:txBody>
-      </p:sp>
-      <p:sp>
-        <p:nvSpPr>
-          <p:cNvPr id="5" name="Date Placeholder 4"/>
-          <p:cNvSpPr>
-            <a:spLocks noGrp="1"/>
-          </p:cNvSpPr>
-          <p:nvPr>
-            <p:ph type="dt" sz="half" idx="15"/>
-          </p:nvPr>
-        </p:nvSpPr>
-        <p:spPr/>
-        <p:txBody>
-          <a:bodyPr/>
-          <a:lstStyle/>
-          <a:p>
-            <a:r>
-              <a:rPr lang="en-US" dirty="0"/>
-              <a:t>Aragats Amirkhanyan, 17.10.2014</a:t>
-            </a:r>
-          </a:p>
-        </p:txBody>
-      </p:sp>
-      <p:sp>
-        <p:nvSpPr>
-          <p:cNvPr id="6" name="Footer Placeholder 5"/>
-          <p:cNvSpPr>
-            <a:spLocks noGrp="1"/>
-          </p:cNvSpPr>
-          <p:nvPr>
-            <p:ph type="ftr" sz="quarter" idx="16"/>
-          </p:nvPr>
-        </p:nvSpPr>
-        <p:spPr/>
-        <p:txBody>
-          <a:bodyPr/>
-          <a:lstStyle/>
-          <a:p>
-            <a:r>
-              <a:rPr lang="en-US" dirty="0"/>
-              <a:t>Automation of the </a:t>
-            </a:r>
-            <a:r>
-              <a:rPr lang="en-US" dirty="0" err="1"/>
-              <a:t>Testbed</a:t>
-            </a:r>
-            <a:r>
-              <a:rPr lang="en-US" dirty="0"/>
-              <a:t> Creation for Research in Security Area</a:t>
-            </a:r>
-          </a:p>
-        </p:txBody>
-      </p:sp>
-      <p:sp>
-        <p:nvSpPr>
-          <p:cNvPr id="7" name="Slide Number Placeholder 6"/>
-          <p:cNvSpPr>
-            <a:spLocks noGrp="1"/>
-          </p:cNvSpPr>
-          <p:nvPr>
-            <p:ph type="sldNum" sz="quarter" idx="17"/>
-          </p:nvPr>
-        </p:nvSpPr>
-        <p:spPr/>
-        <p:txBody>
-          <a:bodyPr/>
-          <a:lstStyle/>
-          <a:p>
-            <a:r>
-              <a:rPr lang="en-US" dirty="0" smtClean="0"/>
-              <a:t>Chart </a:t>
-            </a:r>
-            <a:fld id="{91D913BA-B0D8-4B51-9328-DFAA0B370309}" type="slidenum">
-              <a:rPr lang="en-US" b="1" smtClean="0"/>
-              <a:pPr/>
-              <a:t>9</a:t>
-            </a:fld>
-            <a:endParaRPr lang="en-US" b="1" dirty="0"/>
-          </a:p>
-        </p:txBody>
-      </p:sp>
-      <p:pic>
-        <p:nvPicPr>
-          <p:cNvPr id="2050" name="Picture 2" descr="C:\HPI\HPI-git\Research School\Retreat\Fall 2014\retreat draft - version 2\slg.png"/>
-          <p:cNvPicPr>
-            <a:picLocks noChangeAspect="1" noChangeArrowheads="1"/>
-          </p:cNvPicPr>
-          <p:nvPr/>
-        </p:nvPicPr>
-        <p:blipFill>
-          <a:blip r:embed="rId2" cstate="print">
-            <a:extLst>
-              <a:ext uri="{28A0092B-C50C-407E-A947-70E740481C1C}">
-                <a14:useLocalDpi xmlns:a14="http://schemas.microsoft.com/office/drawing/2010/main" val="0"/>
-              </a:ext>
-            </a:extLst>
-          </a:blip>
-          <a:srcRect/>
-          <a:stretch>
-            <a:fillRect/>
-          </a:stretch>
-        </p:blipFill>
-        <p:spPr bwMode="auto">
-          <a:xfrm>
-            <a:off x="169874" y="1255942"/>
-            <a:ext cx="3538030" cy="2827976"/>
-          </a:xfrm>
-          <a:prstGeom prst="rect">
-            <a:avLst/>
-          </a:prstGeom>
-          <a:noFill/>
-          <a:extLst>
-            <a:ext uri="{909E8E84-426E-40DD-AFC4-6F175D3DCCD1}">
-              <a14:hiddenFill xmlns:a14="http://schemas.microsoft.com/office/drawing/2010/main">
-                <a:solidFill>
-                  <a:srgbClr val="FFFFFF"/>
-                </a:solidFill>
-              </a14:hiddenFill>
-            </a:ext>
-          </a:extLst>
-        </p:spPr>
-      </p:pic>
-    </p:spTree>
-    <p:extLst>
-      <p:ext uri="{BB962C8B-B14F-4D97-AF65-F5344CB8AC3E}">
-        <p14:creationId xmlns:p14="http://schemas.microsoft.com/office/powerpoint/2010/main" val="646992380"/>
-      </p:ext>
-    </p:extLst>
-  </p:cSld>
-  <p:clrMapOvr>
-    <a:masterClrMapping/>
-  </p:clrMapOvr>
-  <p:transition>
-    <p:fade/>
-  </p:transition>
-  <p:timing>
-    <p:tnLst>
-      <p:par>
-        <p:cTn id="1" dur="indefinite" restart="never" nodeType="tmRoot"/>
-      </p:par>
-    </p:tnLst>
-  </p:timing>
 </p:sld>
 </file>
 
@@ -19899,7 +19886,7 @@
   <a:extraClrSchemeLst/>
   <a:extLst>
     <a:ext uri="{05A4C25C-085E-4340-85A3-A5531E510DB2}">
-      <thm15:themeFamily xmlns="" xmlns:thm15="http://schemas.microsoft.com/office/thememl/2012/main" name="TEMPLATE_HPI_05_EXP" id="{EEEEA749-3836-4DC6-BA52-AE8D0ADE122A}" vid="{1AF48529-3759-4302-91D0-708D448B88CB}"/>
+      <thm15:themeFamily xmlns:thm15="http://schemas.microsoft.com/office/thememl/2012/main" xmlns="" name="TEMPLATE_HPI_05_EXP" id="{EEEEA749-3836-4DC6-BA52-AE8D0ADE122A}" vid="{1AF48529-3759-4302-91D0-708D448B88CB}"/>
     </a:ext>
   </a:extLst>
 </a:theme>
